--- a/EAPMORAL1.pptx
+++ b/EAPMORAL1.pptx
@@ -288,7 +288,7 @@
           <a:p>
             <a:fld id="{4D125524-A4BE-456D-95EE-986A55ED74C8}" type="datetimeFigureOut">
               <a:rPr lang="pt-BR" smtClean="0"/>
-              <a:t>15/04/2022</a:t>
+              <a:t>16/04/2022</a:t>
             </a:fld>
             <a:endParaRPr lang="pt-BR"/>
           </a:p>
@@ -458,7 +458,7 @@
           <a:p>
             <a:fld id="{4D125524-A4BE-456D-95EE-986A55ED74C8}" type="datetimeFigureOut">
               <a:rPr lang="pt-BR" smtClean="0"/>
-              <a:t>15/04/2022</a:t>
+              <a:t>16/04/2022</a:t>
             </a:fld>
             <a:endParaRPr lang="pt-BR"/>
           </a:p>
@@ -638,7 +638,7 @@
           <a:p>
             <a:fld id="{4D125524-A4BE-456D-95EE-986A55ED74C8}" type="datetimeFigureOut">
               <a:rPr lang="pt-BR" smtClean="0"/>
-              <a:t>15/04/2022</a:t>
+              <a:t>16/04/2022</a:t>
             </a:fld>
             <a:endParaRPr lang="pt-BR"/>
           </a:p>
@@ -808,7 +808,7 @@
           <a:p>
             <a:fld id="{4D125524-A4BE-456D-95EE-986A55ED74C8}" type="datetimeFigureOut">
               <a:rPr lang="pt-BR" smtClean="0"/>
-              <a:t>15/04/2022</a:t>
+              <a:t>16/04/2022</a:t>
             </a:fld>
             <a:endParaRPr lang="pt-BR"/>
           </a:p>
@@ -1054,7 +1054,7 @@
           <a:p>
             <a:fld id="{4D125524-A4BE-456D-95EE-986A55ED74C8}" type="datetimeFigureOut">
               <a:rPr lang="pt-BR" smtClean="0"/>
-              <a:t>15/04/2022</a:t>
+              <a:t>16/04/2022</a:t>
             </a:fld>
             <a:endParaRPr lang="pt-BR"/>
           </a:p>
@@ -1342,7 +1342,7 @@
           <a:p>
             <a:fld id="{4D125524-A4BE-456D-95EE-986A55ED74C8}" type="datetimeFigureOut">
               <a:rPr lang="pt-BR" smtClean="0"/>
-              <a:t>15/04/2022</a:t>
+              <a:t>16/04/2022</a:t>
             </a:fld>
             <a:endParaRPr lang="pt-BR"/>
           </a:p>
@@ -1764,7 +1764,7 @@
           <a:p>
             <a:fld id="{4D125524-A4BE-456D-95EE-986A55ED74C8}" type="datetimeFigureOut">
               <a:rPr lang="pt-BR" smtClean="0"/>
-              <a:t>15/04/2022</a:t>
+              <a:t>16/04/2022</a:t>
             </a:fld>
             <a:endParaRPr lang="pt-BR"/>
           </a:p>
@@ -1882,7 +1882,7 @@
           <a:p>
             <a:fld id="{4D125524-A4BE-456D-95EE-986A55ED74C8}" type="datetimeFigureOut">
               <a:rPr lang="pt-BR" smtClean="0"/>
-              <a:t>15/04/2022</a:t>
+              <a:t>16/04/2022</a:t>
             </a:fld>
             <a:endParaRPr lang="pt-BR"/>
           </a:p>
@@ -1977,7 +1977,7 @@
           <a:p>
             <a:fld id="{4D125524-A4BE-456D-95EE-986A55ED74C8}" type="datetimeFigureOut">
               <a:rPr lang="pt-BR" smtClean="0"/>
-              <a:t>15/04/2022</a:t>
+              <a:t>16/04/2022</a:t>
             </a:fld>
             <a:endParaRPr lang="pt-BR"/>
           </a:p>
@@ -2254,7 +2254,7 @@
           <a:p>
             <a:fld id="{4D125524-A4BE-456D-95EE-986A55ED74C8}" type="datetimeFigureOut">
               <a:rPr lang="pt-BR" smtClean="0"/>
-              <a:t>15/04/2022</a:t>
+              <a:t>16/04/2022</a:t>
             </a:fld>
             <a:endParaRPr lang="pt-BR"/>
           </a:p>
@@ -2507,7 +2507,7 @@
           <a:p>
             <a:fld id="{4D125524-A4BE-456D-95EE-986A55ED74C8}" type="datetimeFigureOut">
               <a:rPr lang="pt-BR" smtClean="0"/>
-              <a:t>15/04/2022</a:t>
+              <a:t>16/04/2022</a:t>
             </a:fld>
             <a:endParaRPr lang="pt-BR"/>
           </a:p>
@@ -2720,7 +2720,7 @@
           <a:p>
             <a:fld id="{4D125524-A4BE-456D-95EE-986A55ED74C8}" type="datetimeFigureOut">
               <a:rPr lang="pt-BR" smtClean="0"/>
-              <a:t>15/04/2022</a:t>
+              <a:t>16/04/2022</a:t>
             </a:fld>
             <a:endParaRPr lang="pt-BR"/>
           </a:p>
@@ -3132,7 +3132,7 @@
         </p:spPr>
         <p:txBody>
           <a:bodyPr>
-            <a:normAutofit fontScale="55000" lnSpcReduction="20000"/>
+            <a:normAutofit fontScale="85000" lnSpcReduction="20000"/>
           </a:bodyPr>
           <a:lstStyle/>
           <a:p>
@@ -3162,8 +3162,13 @@
             </a:r>
             <a:r>
               <a:rPr lang="pt-BR" dirty="0" smtClean="0"/>
-              <a:t>Aplicativo Mobile</a:t>
-            </a:r>
+              <a:t>Aplicativo </a:t>
+            </a:r>
+            <a:r>
+              <a:rPr lang="pt-BR" dirty="0" smtClean="0"/>
+              <a:t>Mobile e Bot Notificador</a:t>
+            </a:r>
+            <a:endParaRPr lang="pt-BR" dirty="0" smtClean="0"/>
           </a:p>
           <a:p>
             <a:pPr lvl="3" algn="l"/>
@@ -3240,11 +3245,7 @@
             </a:r>
             <a:r>
               <a:rPr lang="pt-BR" dirty="0" smtClean="0"/>
-              <a:t>Desenvolvimento do Aplicativo</a:t>
-            </a:r>
-            <a:r>
-              <a:rPr lang="pt-BR" dirty="0" smtClean="0"/>
-              <a:t>  </a:t>
+              <a:t>Desenvolvimento do Aplicativo  </a:t>
             </a:r>
           </a:p>
           <a:p>
@@ -3252,92 +3253,6 @@
             <a:r>
               <a:rPr lang="pt-BR" dirty="0" smtClean="0"/>
               <a:t>	</a:t>
-            </a:r>
-            <a:r>
-              <a:rPr lang="pt-BR" dirty="0" smtClean="0">
-                <a:sym typeface="Wingdings" pitchFamily="2" charset="2"/>
-              </a:rPr>
-              <a:t>Bot Notificador</a:t>
-            </a:r>
-            <a:endParaRPr lang="pt-BR" dirty="0" smtClean="0"/>
-          </a:p>
-          <a:p>
-            <a:pPr lvl="3" algn="l"/>
-            <a:r>
-              <a:rPr lang="pt-BR" dirty="0" smtClean="0">
-                <a:sym typeface="Wingdings" pitchFamily="2" charset="2"/>
-              </a:rPr>
-              <a:t></a:t>
-            </a:r>
-            <a:r>
-              <a:rPr lang="pt-BR" dirty="0" smtClean="0"/>
-              <a:t>Definição dos integrantes </a:t>
-            </a:r>
-          </a:p>
-          <a:p>
-            <a:pPr lvl="3" algn="l"/>
-            <a:r>
-              <a:rPr lang="pt-BR" dirty="0" smtClean="0">
-                <a:sym typeface="Wingdings" pitchFamily="2" charset="2"/>
-              </a:rPr>
-              <a:t> </a:t>
-            </a:r>
-            <a:r>
-              <a:rPr lang="pt-BR" dirty="0" smtClean="0"/>
-              <a:t>Abstração do Projeto  </a:t>
-            </a:r>
-          </a:p>
-          <a:p>
-            <a:pPr lvl="3" algn="l"/>
-            <a:r>
-              <a:rPr lang="pt-BR" dirty="0" smtClean="0">
-                <a:sym typeface="Wingdings" pitchFamily="2" charset="2"/>
-              </a:rPr>
-              <a:t> </a:t>
-            </a:r>
-            <a:r>
-              <a:rPr lang="pt-BR" dirty="0" smtClean="0"/>
-              <a:t>A</a:t>
-            </a:r>
-            <a:r>
-              <a:rPr lang="pt-BR" dirty="0" smtClean="0"/>
-              <a:t>lgoritmo de Abstração</a:t>
-            </a:r>
-            <a:endParaRPr lang="pt-BR" dirty="0" smtClean="0"/>
-          </a:p>
-          <a:p>
-            <a:pPr lvl="3" algn="l"/>
-            <a:r>
-              <a:rPr lang="pt-BR" dirty="0" smtClean="0">
-                <a:sym typeface="Wingdings" pitchFamily="2" charset="2"/>
-              </a:rPr>
-              <a:t> </a:t>
-            </a:r>
-            <a:r>
-              <a:rPr lang="pt-BR" dirty="0" smtClean="0"/>
-              <a:t>Definição da Linguagem de Programação  </a:t>
-            </a:r>
-          </a:p>
-          <a:p>
-            <a:pPr lvl="3" algn="l"/>
-            <a:r>
-              <a:rPr lang="pt-BR" dirty="0" smtClean="0">
-                <a:sym typeface="Wingdings" pitchFamily="2" charset="2"/>
-              </a:rPr>
-              <a:t> </a:t>
-            </a:r>
-            <a:r>
-              <a:rPr lang="pt-BR" dirty="0" smtClean="0"/>
-              <a:t>Definição da Linguagem de Programação  </a:t>
-            </a:r>
-          </a:p>
-          <a:p>
-            <a:pPr lvl="3" algn="l"/>
-            <a:r>
-              <a:rPr lang="pt-BR" dirty="0" smtClean="0">
-                <a:sym typeface="Wingdings" pitchFamily="2" charset="2"/>
-              </a:rPr>
-              <a:t>Desenvolvimento das funcionalidades do Bot</a:t>
             </a:r>
             <a:endParaRPr lang="pt-BR" dirty="0"/>
           </a:p>
